--- a/EM03/EM03_slide.pptx
+++ b/EM03/EM03_slide.pptx
@@ -4367,7 +4367,7 @@
               <a:defRPr/>
             </a:pPr>
             <a:r>
-              <a:rPr kumimoji="1" lang="ja-JP" altLang="en-US" sz="4000" b="0" i="0" u="none" strike="noStrike" kern="1200" cap="none" spc="0" normalizeH="0" baseline="0" noProof="0">
+              <a:rPr kumimoji="1" lang="ja-JP" altLang="en-US" sz="4000" b="0" i="0" u="none" strike="noStrike" kern="1200" cap="none" spc="0" normalizeH="0" baseline="0" noProof="0" dirty="0">
                 <a:ln>
                   <a:noFill/>
                 </a:ln>
@@ -4383,7 +4383,7 @@
               </a:rPr>
               <a:t>中学理科 物理分野</a:t>
             </a:r>
-            <a:endParaRPr kumimoji="1" lang="en-US" altLang="ja-JP" sz="4000" b="0" i="0" u="none" strike="noStrike" kern="1200" cap="none" spc="0" normalizeH="0" baseline="0" noProof="0">
+            <a:endParaRPr kumimoji="1" lang="en-US" altLang="ja-JP" sz="4000" b="0" i="0" u="none" strike="noStrike" kern="1200" cap="none" spc="0" normalizeH="0" baseline="0" noProof="0" dirty="0">
               <a:ln>
                 <a:noFill/>
               </a:ln>
@@ -4417,7 +4417,7 @@
               <a:defRPr/>
             </a:pPr>
             <a:r>
-              <a:rPr kumimoji="1" lang="ja-JP" altLang="en-US" sz="2800" b="0" i="0" u="none" strike="noStrike" kern="1200" cap="none" spc="0" normalizeH="0" baseline="0" noProof="0">
+              <a:rPr kumimoji="1" lang="ja-JP" altLang="en-US" sz="2800" b="0" i="0" u="none" strike="noStrike" kern="1200" cap="none" spc="0" normalizeH="0" baseline="0" noProof="0" dirty="0">
                 <a:ln>
                   <a:noFill/>
                 </a:ln>
